--- a/tposters/placeholder.pptx
+++ b/tposters/placeholder.pptx
@@ -3246,6 +3246,48 @@
           <a:p>
             <a:pPr algn="ctr"/>
             <a:endParaRPr lang="en-US" sz="1200"/>
+          </a:p>
+        </p:txBody>
+      </p:sp>
+      <p:sp>
+        <p:nvSpPr>
+          <p:cNvPr id="4" name="TextBox 3">
+            <a:extLst>
+              <a:ext uri="{FF2B5EF4-FFF2-40B4-BE49-F238E27FC236}">
+                <a16:creationId xmlns:a16="http://schemas.microsoft.com/office/drawing/2014/main" id="{8C6ACD10-0990-4008-9B62-103C640FFDCE}"/>
+              </a:ext>
+            </a:extLst>
+          </p:cNvPr>
+          <p:cNvSpPr txBox="1"/>
+          <p:nvPr/>
+        </p:nvSpPr>
+        <p:spPr>
+          <a:xfrm>
+            <a:off x="495786" y="2084457"/>
+            <a:ext cx="5510828" cy="707886"/>
+          </a:xfrm>
+          <a:prstGeom prst="rect">
+            <a:avLst/>
+          </a:prstGeom>
+          <a:noFill/>
+        </p:spPr>
+        <p:txBody>
+          <a:bodyPr wrap="square" rtlCol="0">
+            <a:spAutoFit/>
+          </a:bodyPr>
+          <a:lstStyle/>
+          <a:p>
+            <a:pPr algn="ctr"/>
+            <a:r>
+              <a:rPr lang="en-US" sz="4000" dirty="0">
+                <a:solidFill>
+                  <a:schemeClr val="bg1"/>
+                </a:solidFill>
+                <a:latin typeface="Segoe UI Black" panose="020B0A02040204020203" pitchFamily="34" charset="0"/>
+                <a:ea typeface="Segoe UI Black" panose="020B0A02040204020203" pitchFamily="34" charset="0"/>
+              </a:rPr>
+              <a:t>More coming soon…</a:t>
+            </a:r>
           </a:p>
         </p:txBody>
       </p:sp>
